--- a/Lecture/Modeling 3/Modeling_3_Lecture.pptx
+++ b/Lecture/Modeling 3/Modeling_3_Lecture.pptx
@@ -305,7 +305,7 @@
               <a:pPr>
                 <a:defRPr/>
               </a:pPr>
-              <a:t>3/17/2019</a:t>
+              <a:t>10/21/2020</a:t>
             </a:fld>
             <a:endParaRPr lang="en-US" dirty="0"/>
           </a:p>
@@ -517,7 +517,7 @@
               <a:pPr>
                 <a:defRPr/>
               </a:pPr>
-              <a:t>3/17/2019</a:t>
+              <a:t>10/21/2020</a:t>
             </a:fld>
             <a:endParaRPr lang="en-US" dirty="0"/>
           </a:p>
@@ -1036,7 +1036,7 @@
               <a:pPr>
                 <a:defRPr/>
               </a:pPr>
-              <a:t>3/17/2019</a:t>
+              <a:t>10/21/2020</a:t>
             </a:fld>
             <a:endParaRPr lang="en-US" dirty="0"/>
           </a:p>
@@ -1226,7 +1226,7 @@
               <a:pPr>
                 <a:defRPr/>
               </a:pPr>
-              <a:t>3/17/2019</a:t>
+              <a:t>10/21/2020</a:t>
             </a:fld>
             <a:endParaRPr lang="en-US" dirty="0"/>
           </a:p>
@@ -1426,7 +1426,7 @@
               <a:pPr>
                 <a:defRPr/>
               </a:pPr>
-              <a:t>3/17/2019</a:t>
+              <a:t>10/21/2020</a:t>
             </a:fld>
             <a:endParaRPr lang="en-US" dirty="0"/>
           </a:p>
@@ -1694,7 +1694,7 @@
               <a:pPr>
                 <a:defRPr/>
               </a:pPr>
-              <a:t>3/17/2019</a:t>
+              <a:t>10/21/2020</a:t>
             </a:fld>
             <a:endParaRPr lang="en-US" dirty="0">
               <a:solidFill>
@@ -1908,7 +1908,7 @@
               <a:pPr>
                 <a:defRPr/>
               </a:pPr>
-              <a:t>3/17/2019</a:t>
+              <a:t>10/21/2020</a:t>
             </a:fld>
             <a:endParaRPr lang="en-US" dirty="0">
               <a:solidFill>
@@ -2199,7 +2199,7 @@
               <a:pPr>
                 <a:defRPr/>
               </a:pPr>
-              <a:t>3/17/2019</a:t>
+              <a:t>10/21/2020</a:t>
             </a:fld>
             <a:endParaRPr lang="en-US" dirty="0">
               <a:solidFill>
@@ -2530,7 +2530,7 @@
               <a:pPr>
                 <a:defRPr/>
               </a:pPr>
-              <a:t>3/17/2019</a:t>
+              <a:t>10/21/2020</a:t>
             </a:fld>
             <a:endParaRPr lang="en-US" dirty="0">
               <a:solidFill>
@@ -2995,7 +2995,7 @@
               <a:pPr>
                 <a:defRPr/>
               </a:pPr>
-              <a:t>3/17/2019</a:t>
+              <a:t>10/21/2020</a:t>
             </a:fld>
             <a:endParaRPr lang="en-US" dirty="0">
               <a:solidFill>
@@ -3158,7 +3158,7 @@
               <a:pPr>
                 <a:defRPr/>
               </a:pPr>
-              <a:t>3/17/2019</a:t>
+              <a:t>10/21/2020</a:t>
             </a:fld>
             <a:endParaRPr lang="en-US" dirty="0">
               <a:solidFill>
@@ -3299,7 +3299,7 @@
               <a:pPr>
                 <a:defRPr/>
               </a:pPr>
-              <a:t>3/17/2019</a:t>
+              <a:t>10/21/2020</a:t>
             </a:fld>
             <a:endParaRPr lang="en-US" dirty="0">
               <a:solidFill>
@@ -3620,7 +3620,7 @@
               <a:pPr>
                 <a:defRPr/>
               </a:pPr>
-              <a:t>3/17/2019</a:t>
+              <a:t>10/21/2020</a:t>
             </a:fld>
             <a:endParaRPr lang="en-US" dirty="0">
               <a:solidFill>
@@ -3828,7 +3828,7 @@
               <a:pPr>
                 <a:defRPr/>
               </a:pPr>
-              <a:t>3/17/2019</a:t>
+              <a:t>10/21/2020</a:t>
             </a:fld>
             <a:endParaRPr lang="en-US" dirty="0"/>
           </a:p>
@@ -4111,7 +4111,7 @@
               <a:pPr>
                 <a:defRPr/>
               </a:pPr>
-              <a:t>3/17/2019</a:t>
+              <a:t>10/21/2020</a:t>
             </a:fld>
             <a:endParaRPr lang="en-US" dirty="0">
               <a:solidFill>
@@ -4325,7 +4325,7 @@
               <a:pPr>
                 <a:defRPr/>
               </a:pPr>
-              <a:t>3/17/2019</a:t>
+              <a:t>10/21/2020</a:t>
             </a:fld>
             <a:endParaRPr lang="en-US" dirty="0">
               <a:solidFill>
@@ -4549,7 +4549,7 @@
               <a:pPr>
                 <a:defRPr/>
               </a:pPr>
-              <a:t>3/17/2019</a:t>
+              <a:t>10/21/2020</a:t>
             </a:fld>
             <a:endParaRPr lang="en-US" dirty="0">
               <a:solidFill>
@@ -4759,7 +4759,7 @@
               <a:pPr>
                 <a:defRPr/>
               </a:pPr>
-              <a:t>3/17/2019</a:t>
+              <a:t>10/21/2020</a:t>
             </a:fld>
             <a:endParaRPr lang="en-US" dirty="0">
               <a:solidFill>
@@ -5036,7 +5036,7 @@
               <a:pPr>
                 <a:defRPr/>
               </a:pPr>
-              <a:t>3/17/2019</a:t>
+              <a:t>10/21/2020</a:t>
             </a:fld>
             <a:endParaRPr lang="en-US" dirty="0"/>
           </a:p>
@@ -5343,7 +5343,7 @@
               <a:pPr>
                 <a:defRPr/>
               </a:pPr>
-              <a:t>3/17/2019</a:t>
+              <a:t>10/21/2020</a:t>
             </a:fld>
             <a:endParaRPr lang="en-US" dirty="0"/>
           </a:p>
@@ -5784,7 +5784,7 @@
               <a:pPr>
                 <a:defRPr/>
               </a:pPr>
-              <a:t>3/17/2019</a:t>
+              <a:t>10/21/2020</a:t>
             </a:fld>
             <a:endParaRPr lang="en-US" dirty="0"/>
           </a:p>
@@ -5923,7 +5923,7 @@
               <a:pPr>
                 <a:defRPr/>
               </a:pPr>
-              <a:t>3/17/2019</a:t>
+              <a:t>10/21/2020</a:t>
             </a:fld>
             <a:endParaRPr lang="en-US" dirty="0"/>
           </a:p>
@@ -6040,7 +6040,7 @@
               <a:pPr>
                 <a:defRPr/>
               </a:pPr>
-              <a:t>3/17/2019</a:t>
+              <a:t>10/21/2020</a:t>
             </a:fld>
             <a:endParaRPr lang="en-US" dirty="0"/>
           </a:p>
@@ -6337,7 +6337,7 @@
               <a:pPr>
                 <a:defRPr/>
               </a:pPr>
-              <a:t>3/17/2019</a:t>
+              <a:t>10/21/2020</a:t>
             </a:fld>
             <a:endParaRPr lang="en-US" dirty="0"/>
           </a:p>
@@ -6614,7 +6614,7 @@
               <a:pPr>
                 <a:defRPr/>
               </a:pPr>
-              <a:t>3/17/2019</a:t>
+              <a:t>10/21/2020</a:t>
             </a:fld>
             <a:endParaRPr lang="en-US" dirty="0"/>
           </a:p>
@@ -6871,7 +6871,7 @@
               <a:pPr>
                 <a:defRPr/>
               </a:pPr>
-              <a:t>3/17/2019</a:t>
+              <a:t>10/21/2020</a:t>
             </a:fld>
             <a:endParaRPr lang="en-US" dirty="0"/>
           </a:p>
@@ -7581,7 +7581,7 @@
               <a:pPr>
                 <a:defRPr/>
               </a:pPr>
-              <a:t>3/17/2019</a:t>
+              <a:t>10/21/2020</a:t>
             </a:fld>
             <a:endParaRPr lang="en-US" dirty="0">
               <a:solidFill>
@@ -13745,13 +13745,18 @@
               <a:defRPr/>
             </a:pPr>
             <a:r>
-              <a:rPr lang="en-US" dirty="0">
+              <a:rPr lang="en-US">
                 <a:solidFill>
                   <a:srgbClr val="404040"/>
                 </a:solidFill>
               </a:rPr>
-              <a:t>Download Tutorial </a:t>
-            </a:r>
+              <a:t>Download Supplement </a:t>
+            </a:r>
+            <a:endParaRPr lang="en-US" dirty="0">
+              <a:solidFill>
+                <a:srgbClr val="404040"/>
+              </a:solidFill>
+            </a:endParaRPr>
           </a:p>
           <a:p>
             <a:pPr marL="800100" lvl="1" indent="-342900">

--- a/Lecture/Modeling 3/Modeling_3_Lecture.pptx
+++ b/Lecture/Modeling 3/Modeling_3_Lecture.pptx
@@ -305,7 +305,7 @@
               <a:pPr>
                 <a:defRPr/>
               </a:pPr>
-              <a:t>10/21/2020</a:t>
+              <a:t>3/31/2023</a:t>
             </a:fld>
             <a:endParaRPr lang="en-US" dirty="0"/>
           </a:p>
@@ -517,7 +517,7 @@
               <a:pPr>
                 <a:defRPr/>
               </a:pPr>
-              <a:t>10/21/2020</a:t>
+              <a:t>3/31/2023</a:t>
             </a:fld>
             <a:endParaRPr lang="en-US" dirty="0"/>
           </a:p>
@@ -1036,7 +1036,7 @@
               <a:pPr>
                 <a:defRPr/>
               </a:pPr>
-              <a:t>10/21/2020</a:t>
+              <a:t>3/31/2023</a:t>
             </a:fld>
             <a:endParaRPr lang="en-US" dirty="0"/>
           </a:p>
@@ -1226,7 +1226,7 @@
               <a:pPr>
                 <a:defRPr/>
               </a:pPr>
-              <a:t>10/21/2020</a:t>
+              <a:t>3/31/2023</a:t>
             </a:fld>
             <a:endParaRPr lang="en-US" dirty="0"/>
           </a:p>
@@ -1426,7 +1426,7 @@
               <a:pPr>
                 <a:defRPr/>
               </a:pPr>
-              <a:t>10/21/2020</a:t>
+              <a:t>3/31/2023</a:t>
             </a:fld>
             <a:endParaRPr lang="en-US" dirty="0"/>
           </a:p>
@@ -1694,7 +1694,7 @@
               <a:pPr>
                 <a:defRPr/>
               </a:pPr>
-              <a:t>10/21/2020</a:t>
+              <a:t>3/31/2023</a:t>
             </a:fld>
             <a:endParaRPr lang="en-US" dirty="0">
               <a:solidFill>
@@ -1908,7 +1908,7 @@
               <a:pPr>
                 <a:defRPr/>
               </a:pPr>
-              <a:t>10/21/2020</a:t>
+              <a:t>3/31/2023</a:t>
             </a:fld>
             <a:endParaRPr lang="en-US" dirty="0">
               <a:solidFill>
@@ -2199,7 +2199,7 @@
               <a:pPr>
                 <a:defRPr/>
               </a:pPr>
-              <a:t>10/21/2020</a:t>
+              <a:t>3/31/2023</a:t>
             </a:fld>
             <a:endParaRPr lang="en-US" dirty="0">
               <a:solidFill>
@@ -2530,7 +2530,7 @@
               <a:pPr>
                 <a:defRPr/>
               </a:pPr>
-              <a:t>10/21/2020</a:t>
+              <a:t>3/31/2023</a:t>
             </a:fld>
             <a:endParaRPr lang="en-US" dirty="0">
               <a:solidFill>
@@ -2995,7 +2995,7 @@
               <a:pPr>
                 <a:defRPr/>
               </a:pPr>
-              <a:t>10/21/2020</a:t>
+              <a:t>3/31/2023</a:t>
             </a:fld>
             <a:endParaRPr lang="en-US" dirty="0">
               <a:solidFill>
@@ -3158,7 +3158,7 @@
               <a:pPr>
                 <a:defRPr/>
               </a:pPr>
-              <a:t>10/21/2020</a:t>
+              <a:t>3/31/2023</a:t>
             </a:fld>
             <a:endParaRPr lang="en-US" dirty="0">
               <a:solidFill>
@@ -3299,7 +3299,7 @@
               <a:pPr>
                 <a:defRPr/>
               </a:pPr>
-              <a:t>10/21/2020</a:t>
+              <a:t>3/31/2023</a:t>
             </a:fld>
             <a:endParaRPr lang="en-US" dirty="0">
               <a:solidFill>
@@ -3620,7 +3620,7 @@
               <a:pPr>
                 <a:defRPr/>
               </a:pPr>
-              <a:t>10/21/2020</a:t>
+              <a:t>3/31/2023</a:t>
             </a:fld>
             <a:endParaRPr lang="en-US" dirty="0">
               <a:solidFill>
@@ -3828,7 +3828,7 @@
               <a:pPr>
                 <a:defRPr/>
               </a:pPr>
-              <a:t>10/21/2020</a:t>
+              <a:t>3/31/2023</a:t>
             </a:fld>
             <a:endParaRPr lang="en-US" dirty="0"/>
           </a:p>
@@ -4111,7 +4111,7 @@
               <a:pPr>
                 <a:defRPr/>
               </a:pPr>
-              <a:t>10/21/2020</a:t>
+              <a:t>3/31/2023</a:t>
             </a:fld>
             <a:endParaRPr lang="en-US" dirty="0">
               <a:solidFill>
@@ -4325,7 +4325,7 @@
               <a:pPr>
                 <a:defRPr/>
               </a:pPr>
-              <a:t>10/21/2020</a:t>
+              <a:t>3/31/2023</a:t>
             </a:fld>
             <a:endParaRPr lang="en-US" dirty="0">
               <a:solidFill>
@@ -4549,7 +4549,7 @@
               <a:pPr>
                 <a:defRPr/>
               </a:pPr>
-              <a:t>10/21/2020</a:t>
+              <a:t>3/31/2023</a:t>
             </a:fld>
             <a:endParaRPr lang="en-US" dirty="0">
               <a:solidFill>
@@ -4759,7 +4759,7 @@
               <a:pPr>
                 <a:defRPr/>
               </a:pPr>
-              <a:t>10/21/2020</a:t>
+              <a:t>3/31/2023</a:t>
             </a:fld>
             <a:endParaRPr lang="en-US" dirty="0">
               <a:solidFill>
@@ -5036,7 +5036,7 @@
               <a:pPr>
                 <a:defRPr/>
               </a:pPr>
-              <a:t>10/21/2020</a:t>
+              <a:t>3/31/2023</a:t>
             </a:fld>
             <a:endParaRPr lang="en-US" dirty="0"/>
           </a:p>
@@ -5343,7 +5343,7 @@
               <a:pPr>
                 <a:defRPr/>
               </a:pPr>
-              <a:t>10/21/2020</a:t>
+              <a:t>3/31/2023</a:t>
             </a:fld>
             <a:endParaRPr lang="en-US" dirty="0"/>
           </a:p>
@@ -5784,7 +5784,7 @@
               <a:pPr>
                 <a:defRPr/>
               </a:pPr>
-              <a:t>10/21/2020</a:t>
+              <a:t>3/31/2023</a:t>
             </a:fld>
             <a:endParaRPr lang="en-US" dirty="0"/>
           </a:p>
@@ -5923,7 +5923,7 @@
               <a:pPr>
                 <a:defRPr/>
               </a:pPr>
-              <a:t>10/21/2020</a:t>
+              <a:t>3/31/2023</a:t>
             </a:fld>
             <a:endParaRPr lang="en-US" dirty="0"/>
           </a:p>
@@ -6040,7 +6040,7 @@
               <a:pPr>
                 <a:defRPr/>
               </a:pPr>
-              <a:t>10/21/2020</a:t>
+              <a:t>3/31/2023</a:t>
             </a:fld>
             <a:endParaRPr lang="en-US" dirty="0"/>
           </a:p>
@@ -6337,7 +6337,7 @@
               <a:pPr>
                 <a:defRPr/>
               </a:pPr>
-              <a:t>10/21/2020</a:t>
+              <a:t>3/31/2023</a:t>
             </a:fld>
             <a:endParaRPr lang="en-US" dirty="0"/>
           </a:p>
@@ -6614,7 +6614,7 @@
               <a:pPr>
                 <a:defRPr/>
               </a:pPr>
-              <a:t>10/21/2020</a:t>
+              <a:t>3/31/2023</a:t>
             </a:fld>
             <a:endParaRPr lang="en-US" dirty="0"/>
           </a:p>
@@ -6871,7 +6871,7 @@
               <a:pPr>
                 <a:defRPr/>
               </a:pPr>
-              <a:t>10/21/2020</a:t>
+              <a:t>3/31/2023</a:t>
             </a:fld>
             <a:endParaRPr lang="en-US" dirty="0"/>
           </a:p>
@@ -7581,7 +7581,7 @@
               <a:pPr>
                 <a:defRPr/>
               </a:pPr>
-              <a:t>10/21/2020</a:t>
+              <a:t>3/31/2023</a:t>
             </a:fld>
             <a:endParaRPr lang="en-US" dirty="0">
               <a:solidFill>
@@ -12226,6 +12226,220 @@
       </p:grpSpPr>
       <p:sp>
         <p:nvSpPr>
+          <p:cNvPr id="7" name="TextBox 6">
+            <a:extLst>
+              <a:ext uri="{FF2B5EF4-FFF2-40B4-BE49-F238E27FC236}">
+                <a16:creationId xmlns:a16="http://schemas.microsoft.com/office/drawing/2014/main" id="{DF060353-BDFF-427E-8ABE-861948AE3B71}"/>
+              </a:ext>
+            </a:extLst>
+          </p:cNvPr>
+          <p:cNvSpPr txBox="1"/>
+          <p:nvPr/>
+        </p:nvSpPr>
+        <p:spPr>
+          <a:xfrm>
+            <a:off x="3810000" y="506762"/>
+            <a:ext cx="5105400" cy="4893647"/>
+          </a:xfrm>
+          <a:prstGeom prst="rect">
+            <a:avLst/>
+          </a:prstGeom>
+          <a:noFill/>
+        </p:spPr>
+        <p:txBody>
+          <a:bodyPr wrap="square" rtlCol="0">
+            <a:spAutoFit/>
+          </a:bodyPr>
+          <a:lstStyle/>
+          <a:p>
+            <a:pPr marL="342900" indent="-342900">
+              <a:buFont typeface="Arial" panose="020B0604020202020204" pitchFamily="34" charset="0"/>
+              <a:buChar char="•"/>
+              <a:defRPr/>
+            </a:pPr>
+            <a:r>
+              <a:rPr lang="en-US" dirty="0">
+                <a:solidFill>
+                  <a:srgbClr val="404040"/>
+                </a:solidFill>
+              </a:rPr>
+              <a:t>My Results Based on My Seed</a:t>
+            </a:r>
+          </a:p>
+          <a:p>
+            <a:pPr marL="342900" indent="-342900">
+              <a:buFont typeface="Arial" panose="020B0604020202020204" pitchFamily="34" charset="0"/>
+              <a:buChar char="•"/>
+              <a:defRPr/>
+            </a:pPr>
+            <a:endParaRPr lang="en-US" dirty="0">
+              <a:solidFill>
+                <a:srgbClr val="404040"/>
+              </a:solidFill>
+            </a:endParaRPr>
+          </a:p>
+          <a:p>
+            <a:pPr marL="342900" indent="-342900">
+              <a:buFont typeface="Arial" panose="020B0604020202020204" pitchFamily="34" charset="0"/>
+              <a:buChar char="•"/>
+              <a:defRPr/>
+            </a:pPr>
+            <a:endParaRPr lang="en-US" dirty="0">
+              <a:solidFill>
+                <a:srgbClr val="404040"/>
+              </a:solidFill>
+            </a:endParaRPr>
+          </a:p>
+          <a:p>
+            <a:pPr marL="342900" indent="-342900">
+              <a:buFont typeface="Arial" panose="020B0604020202020204" pitchFamily="34" charset="0"/>
+              <a:buChar char="•"/>
+              <a:defRPr/>
+            </a:pPr>
+            <a:endParaRPr lang="en-US" dirty="0">
+              <a:solidFill>
+                <a:srgbClr val="404040"/>
+              </a:solidFill>
+            </a:endParaRPr>
+          </a:p>
+          <a:p>
+            <a:pPr marL="342900" indent="-342900">
+              <a:buFont typeface="Arial" panose="020B0604020202020204" pitchFamily="34" charset="0"/>
+              <a:buChar char="•"/>
+              <a:defRPr/>
+            </a:pPr>
+            <a:endParaRPr lang="en-US" dirty="0">
+              <a:solidFill>
+                <a:srgbClr val="404040"/>
+              </a:solidFill>
+            </a:endParaRPr>
+          </a:p>
+          <a:p>
+            <a:pPr marL="342900" indent="-342900">
+              <a:buFont typeface="Arial" panose="020B0604020202020204" pitchFamily="34" charset="0"/>
+              <a:buChar char="•"/>
+              <a:defRPr/>
+            </a:pPr>
+            <a:endParaRPr lang="en-US" dirty="0">
+              <a:solidFill>
+                <a:srgbClr val="404040"/>
+              </a:solidFill>
+            </a:endParaRPr>
+          </a:p>
+          <a:p>
+            <a:pPr marL="342900" indent="-342900">
+              <a:buFont typeface="Arial" panose="020B0604020202020204" pitchFamily="34" charset="0"/>
+              <a:buChar char="•"/>
+              <a:defRPr/>
+            </a:pPr>
+            <a:endParaRPr lang="en-US" dirty="0">
+              <a:solidFill>
+                <a:srgbClr val="404040"/>
+              </a:solidFill>
+            </a:endParaRPr>
+          </a:p>
+          <a:p>
+            <a:pPr marL="342900" indent="-342900">
+              <a:buFont typeface="Arial" panose="020B0604020202020204" pitchFamily="34" charset="0"/>
+              <a:buChar char="•"/>
+              <a:defRPr/>
+            </a:pPr>
+            <a:endParaRPr lang="en-US" dirty="0">
+              <a:solidFill>
+                <a:srgbClr val="404040"/>
+              </a:solidFill>
+            </a:endParaRPr>
+          </a:p>
+          <a:p>
+            <a:pPr marL="342900" indent="-342900">
+              <a:buFont typeface="Arial" panose="020B0604020202020204" pitchFamily="34" charset="0"/>
+              <a:buChar char="•"/>
+              <a:defRPr/>
+            </a:pPr>
+            <a:endParaRPr lang="en-US" dirty="0">
+              <a:solidFill>
+                <a:srgbClr val="404040"/>
+              </a:solidFill>
+            </a:endParaRPr>
+          </a:p>
+          <a:p>
+            <a:pPr marL="342900" indent="-342900">
+              <a:buFont typeface="Arial" panose="020B0604020202020204" pitchFamily="34" charset="0"/>
+              <a:buChar char="•"/>
+              <a:defRPr/>
+            </a:pPr>
+            <a:r>
+              <a:rPr lang="en-US" dirty="0">
+                <a:solidFill>
+                  <a:srgbClr val="404040"/>
+                </a:solidFill>
+              </a:rPr>
+              <a:t>Simple Model that Adequately Predicts</a:t>
+            </a:r>
+          </a:p>
+          <a:p>
+            <a:pPr marL="342900" indent="-342900">
+              <a:buFont typeface="Arial" panose="020B0604020202020204" pitchFamily="34" charset="0"/>
+              <a:buChar char="•"/>
+              <a:defRPr/>
+            </a:pPr>
+            <a:endParaRPr lang="en-US" dirty="0">
+              <a:solidFill>
+                <a:srgbClr val="404040"/>
+              </a:solidFill>
+            </a:endParaRPr>
+          </a:p>
+          <a:p>
+            <a:pPr marL="800100" lvl="1" indent="-342900">
+              <a:buFont typeface="Arial" panose="020B0604020202020204" pitchFamily="34" charset="0"/>
+              <a:buChar char="•"/>
+              <a:defRPr/>
+            </a:pPr>
+            <a:endParaRPr lang="en-US" dirty="0">
+              <a:solidFill>
+                <a:srgbClr val="404040"/>
+              </a:solidFill>
+            </a:endParaRPr>
+          </a:p>
+        </p:txBody>
+      </p:sp>
+      <p:pic>
+        <p:nvPicPr>
+          <p:cNvPr id="6" name="Picture 5">
+            <a:extLst>
+              <a:ext uri="{FF2B5EF4-FFF2-40B4-BE49-F238E27FC236}">
+                <a16:creationId xmlns:a16="http://schemas.microsoft.com/office/drawing/2014/main" id="{AA5C1F7B-5763-9719-E19D-278CC1277066}"/>
+              </a:ext>
+            </a:extLst>
+          </p:cNvPr>
+          <p:cNvPicPr>
+            <a:picLocks noChangeAspect="1"/>
+          </p:cNvPicPr>
+          <p:nvPr/>
+        </p:nvPicPr>
+        <p:blipFill>
+          <a:blip r:embed="rId3"/>
+          <a:stretch>
+            <a:fillRect/>
+          </a:stretch>
+        </p:blipFill>
+        <p:spPr>
+          <a:xfrm>
+            <a:off x="3917064" y="1008142"/>
+            <a:ext cx="4726970" cy="2758381"/>
+          </a:xfrm>
+          <a:prstGeom prst="rect">
+            <a:avLst/>
+          </a:prstGeom>
+          <a:ln w="28575">
+            <a:solidFill>
+              <a:srgbClr val="404040"/>
+            </a:solidFill>
+          </a:ln>
+        </p:spPr>
+      </p:pic>
+      <p:sp>
+        <p:nvSpPr>
           <p:cNvPr id="15" name="Rectangle 12">
             <a:extLst>
               <a:ext uri="{FF2B5EF4-FFF2-40B4-BE49-F238E27FC236}">
@@ -12414,7 +12628,7 @@
           <p:nvPr/>
         </p:nvPicPr>
         <p:blipFill rotWithShape="1">
-          <a:blip r:embed="rId3"/>
+          <a:blip r:embed="rId4"/>
           <a:srcRect l="8000" r="9400"/>
           <a:stretch/>
         </p:blipFill>
@@ -12431,234 +12645,6 @@
       </p:pic>
       <p:sp>
         <p:nvSpPr>
-          <p:cNvPr id="7" name="TextBox 6">
-            <a:extLst>
-              <a:ext uri="{FF2B5EF4-FFF2-40B4-BE49-F238E27FC236}">
-                <a16:creationId xmlns:a16="http://schemas.microsoft.com/office/drawing/2014/main" id="{DF060353-BDFF-427E-8ABE-861948AE3B71}"/>
-              </a:ext>
-            </a:extLst>
-          </p:cNvPr>
-          <p:cNvSpPr txBox="1"/>
-          <p:nvPr/>
-        </p:nvSpPr>
-        <p:spPr>
-          <a:xfrm>
-            <a:off x="3810000" y="506762"/>
-            <a:ext cx="5334000" cy="5262979"/>
-          </a:xfrm>
-          <a:prstGeom prst="rect">
-            <a:avLst/>
-          </a:prstGeom>
-          <a:noFill/>
-        </p:spPr>
-        <p:txBody>
-          <a:bodyPr wrap="square" rtlCol="0">
-            <a:spAutoFit/>
-          </a:bodyPr>
-          <a:lstStyle/>
-          <a:p>
-            <a:pPr marL="342900" indent="-342900">
-              <a:buFont typeface="Arial" panose="020B0604020202020204" pitchFamily="34" charset="0"/>
-              <a:buChar char="•"/>
-              <a:defRPr/>
-            </a:pPr>
-            <a:r>
-              <a:rPr lang="en-US" dirty="0">
-                <a:solidFill>
-                  <a:srgbClr val="404040"/>
-                </a:solidFill>
-              </a:rPr>
-              <a:t>My Results Based on My Seed</a:t>
-            </a:r>
-          </a:p>
-          <a:p>
-            <a:pPr marL="342900" indent="-342900">
-              <a:buFont typeface="Arial" panose="020B0604020202020204" pitchFamily="34" charset="0"/>
-              <a:buChar char="•"/>
-              <a:defRPr/>
-            </a:pPr>
-            <a:endParaRPr lang="en-US" dirty="0">
-              <a:solidFill>
-                <a:srgbClr val="404040"/>
-              </a:solidFill>
-            </a:endParaRPr>
-          </a:p>
-          <a:p>
-            <a:pPr marL="342900" indent="-342900">
-              <a:buFont typeface="Arial" panose="020B0604020202020204" pitchFamily="34" charset="0"/>
-              <a:buChar char="•"/>
-              <a:defRPr/>
-            </a:pPr>
-            <a:endParaRPr lang="en-US" dirty="0">
-              <a:solidFill>
-                <a:srgbClr val="404040"/>
-              </a:solidFill>
-            </a:endParaRPr>
-          </a:p>
-          <a:p>
-            <a:pPr marL="342900" indent="-342900">
-              <a:buFont typeface="Arial" panose="020B0604020202020204" pitchFamily="34" charset="0"/>
-              <a:buChar char="•"/>
-              <a:defRPr/>
-            </a:pPr>
-            <a:endParaRPr lang="en-US" dirty="0">
-              <a:solidFill>
-                <a:srgbClr val="404040"/>
-              </a:solidFill>
-            </a:endParaRPr>
-          </a:p>
-          <a:p>
-            <a:pPr marL="342900" indent="-342900">
-              <a:buFont typeface="Arial" panose="020B0604020202020204" pitchFamily="34" charset="0"/>
-              <a:buChar char="•"/>
-              <a:defRPr/>
-            </a:pPr>
-            <a:endParaRPr lang="en-US" dirty="0">
-              <a:solidFill>
-                <a:srgbClr val="404040"/>
-              </a:solidFill>
-            </a:endParaRPr>
-          </a:p>
-          <a:p>
-            <a:pPr marL="342900" indent="-342900">
-              <a:buFont typeface="Arial" panose="020B0604020202020204" pitchFamily="34" charset="0"/>
-              <a:buChar char="•"/>
-              <a:defRPr/>
-            </a:pPr>
-            <a:endParaRPr lang="en-US" dirty="0">
-              <a:solidFill>
-                <a:srgbClr val="404040"/>
-              </a:solidFill>
-            </a:endParaRPr>
-          </a:p>
-          <a:p>
-            <a:pPr marL="342900" indent="-342900">
-              <a:buFont typeface="Arial" panose="020B0604020202020204" pitchFamily="34" charset="0"/>
-              <a:buChar char="•"/>
-              <a:defRPr/>
-            </a:pPr>
-            <a:endParaRPr lang="en-US" dirty="0">
-              <a:solidFill>
-                <a:srgbClr val="404040"/>
-              </a:solidFill>
-            </a:endParaRPr>
-          </a:p>
-          <a:p>
-            <a:pPr marL="342900" indent="-342900">
-              <a:buFont typeface="Arial" panose="020B0604020202020204" pitchFamily="34" charset="0"/>
-              <a:buChar char="•"/>
-              <a:defRPr/>
-            </a:pPr>
-            <a:endParaRPr lang="en-US" dirty="0">
-              <a:solidFill>
-                <a:srgbClr val="404040"/>
-              </a:solidFill>
-            </a:endParaRPr>
-          </a:p>
-          <a:p>
-            <a:pPr marL="342900" indent="-342900">
-              <a:buFont typeface="Arial" panose="020B0604020202020204" pitchFamily="34" charset="0"/>
-              <a:buChar char="•"/>
-              <a:defRPr/>
-            </a:pPr>
-            <a:endParaRPr lang="en-US" dirty="0">
-              <a:solidFill>
-                <a:srgbClr val="404040"/>
-              </a:solidFill>
-            </a:endParaRPr>
-          </a:p>
-          <a:p>
-            <a:pPr marL="800100" lvl="1" indent="-342900">
-              <a:buFont typeface="Arial" panose="020B0604020202020204" pitchFamily="34" charset="0"/>
-              <a:buChar char="•"/>
-              <a:defRPr/>
-            </a:pPr>
-            <a:r>
-              <a:rPr lang="en-US" dirty="0">
-                <a:solidFill>
-                  <a:srgbClr val="404040"/>
-                </a:solidFill>
-              </a:rPr>
-              <a:t>When Results Are This Close, Always Consider the Most Simple Model</a:t>
-            </a:r>
-          </a:p>
-          <a:p>
-            <a:pPr marL="342900" indent="-342900">
-              <a:buFont typeface="Arial" panose="020B0604020202020204" pitchFamily="34" charset="0"/>
-              <a:buChar char="•"/>
-              <a:defRPr/>
-            </a:pPr>
-            <a:endParaRPr lang="en-US" dirty="0">
-              <a:solidFill>
-                <a:srgbClr val="404040"/>
-              </a:solidFill>
-            </a:endParaRPr>
-          </a:p>
-          <a:p>
-            <a:pPr marL="800100" lvl="1" indent="-342900">
-              <a:buFont typeface="Arial" panose="020B0604020202020204" pitchFamily="34" charset="0"/>
-              <a:buChar char="•"/>
-              <a:defRPr/>
-            </a:pPr>
-            <a:endParaRPr lang="en-US" dirty="0">
-              <a:solidFill>
-                <a:srgbClr val="404040"/>
-              </a:solidFill>
-            </a:endParaRPr>
-          </a:p>
-        </p:txBody>
-      </p:sp>
-      <p:pic>
-        <p:nvPicPr>
-          <p:cNvPr id="3" name="Picture 2">
-            <a:extLst>
-              <a:ext uri="{FF2B5EF4-FFF2-40B4-BE49-F238E27FC236}">
-                <a16:creationId xmlns:a16="http://schemas.microsoft.com/office/drawing/2014/main" id="{F39BF807-DEA8-4DEE-86F2-9431AE876B87}"/>
-              </a:ext>
-            </a:extLst>
-          </p:cNvPr>
-          <p:cNvPicPr>
-            <a:picLocks noChangeAspect="1"/>
-          </p:cNvPicPr>
-          <p:nvPr/>
-        </p:nvPicPr>
-        <p:blipFill>
-          <a:blip r:embed="rId4"/>
-          <a:stretch>
-            <a:fillRect/>
-          </a:stretch>
-        </p:blipFill>
-        <p:spPr>
-          <a:xfrm>
-            <a:off x="3627583" y="1066800"/>
-            <a:ext cx="5350661" cy="2558376"/>
-          </a:xfrm>
-          <a:prstGeom prst="rect">
-            <a:avLst/>
-          </a:prstGeom>
-          <a:ln>
-            <a:solidFill>
-              <a:srgbClr val="404040"/>
-            </a:solidFill>
-          </a:ln>
-        </p:spPr>
-        <p:style>
-          <a:lnRef idx="2">
-            <a:schemeClr val="dk1"/>
-          </a:lnRef>
-          <a:fillRef idx="1">
-            <a:schemeClr val="lt1"/>
-          </a:fillRef>
-          <a:effectRef idx="0">
-            <a:schemeClr val="dk1"/>
-          </a:effectRef>
-          <a:fontRef idx="minor">
-            <a:schemeClr val="dk1"/>
-          </a:fontRef>
-        </p:style>
-      </p:pic>
-      <p:sp>
-        <p:nvSpPr>
           <p:cNvPr id="4" name="Rectangle 3">
             <a:extLst>
               <a:ext uri="{FF2B5EF4-FFF2-40B4-BE49-F238E27FC236}">
@@ -12671,8 +12657,8 @@
         </p:nvSpPr>
         <p:spPr>
           <a:xfrm>
-            <a:off x="5445662" y="1752600"/>
-            <a:ext cx="1183737" cy="381000"/>
+            <a:off x="5638800" y="3352800"/>
+            <a:ext cx="3005234" cy="381000"/>
           </a:xfrm>
           <a:prstGeom prst="rect">
             <a:avLst/>
@@ -12702,96 +12688,181 @@
           </a:p>
         </p:txBody>
       </p:sp>
-      <p:sp>
-        <p:nvSpPr>
-          <p:cNvPr id="9" name="Rectangle 8">
+      <p:pic>
+        <p:nvPicPr>
+          <p:cNvPr id="12" name="Picture 11">
             <a:extLst>
               <a:ext uri="{FF2B5EF4-FFF2-40B4-BE49-F238E27FC236}">
-                <a16:creationId xmlns:a16="http://schemas.microsoft.com/office/drawing/2014/main" id="{AF0D71AC-A32C-423D-909E-32DA28E079C7}"/>
+                <a16:creationId xmlns:a16="http://schemas.microsoft.com/office/drawing/2014/main" id="{0BAC446D-2D58-A4A2-34AF-B5A4E835FC48}"/>
               </a:ext>
             </a:extLst>
           </p:cNvPr>
-          <p:cNvSpPr/>
+          <p:cNvPicPr>
+            <a:picLocks noChangeAspect="1"/>
+          </p:cNvPicPr>
           <p:nvPr/>
-        </p:nvSpPr>
+        </p:nvPicPr>
+        <p:blipFill>
+          <a:blip r:embed="rId5"/>
+          <a:stretch>
+            <a:fillRect/>
+          </a:stretch>
+        </p:blipFill>
         <p:spPr>
           <a:xfrm>
-            <a:off x="6934200" y="2857500"/>
-            <a:ext cx="838200" cy="381000"/>
+            <a:off x="3917064" y="4724400"/>
+            <a:ext cx="2895600" cy="1936322"/>
           </a:xfrm>
           <a:prstGeom prst="rect">
             <a:avLst/>
           </a:prstGeom>
-          <a:noFill/>
+          <a:solidFill>
+            <a:srgbClr val="404040"/>
+          </a:solidFill>
+          <a:ln w="19050">
+            <a:solidFill>
+              <a:schemeClr val="tx1"/>
+            </a:solidFill>
+          </a:ln>
+        </p:spPr>
+      </p:pic>
+      <p:sp>
+        <p:nvSpPr>
+          <p:cNvPr id="13" name="TextBox 12">
+            <a:extLst>
+              <a:ext uri="{FF2B5EF4-FFF2-40B4-BE49-F238E27FC236}">
+                <a16:creationId xmlns:a16="http://schemas.microsoft.com/office/drawing/2014/main" id="{1D336866-BEEF-8B01-266D-F7B5B89A604D}"/>
+              </a:ext>
+            </a:extLst>
+          </p:cNvPr>
+          <p:cNvSpPr txBox="1"/>
+          <p:nvPr/>
+        </p:nvSpPr>
+        <p:spPr>
+          <a:xfrm>
+            <a:off x="7373534" y="5507895"/>
+            <a:ext cx="1738122" cy="369332"/>
+          </a:xfrm>
+          <a:prstGeom prst="rect">
+            <a:avLst/>
+          </a:prstGeom>
+          <a:solidFill>
+            <a:srgbClr val="404040"/>
+          </a:solidFill>
+        </p:spPr>
+        <p:txBody>
+          <a:bodyPr wrap="square" rtlCol="0">
+            <a:spAutoFit/>
+          </a:bodyPr>
+          <a:lstStyle/>
+          <a:p>
+            <a:r>
+              <a:rPr lang="en-US" sz="1800" dirty="0">
+                <a:solidFill>
+                  <a:schemeClr val="bg1"/>
+                </a:solidFill>
+              </a:rPr>
+              <a:t>Results=“</a:t>
+            </a:r>
+            <a:r>
+              <a:rPr lang="en-US" sz="1800" dirty="0" err="1">
+                <a:solidFill>
+                  <a:schemeClr val="bg1"/>
+                </a:solidFill>
+              </a:rPr>
+              <a:t>asis</a:t>
+            </a:r>
+            <a:r>
+              <a:rPr lang="en-US" sz="1800" dirty="0">
+                <a:solidFill>
+                  <a:schemeClr val="bg1"/>
+                </a:solidFill>
+              </a:rPr>
+              <a:t>”</a:t>
+            </a:r>
+          </a:p>
+        </p:txBody>
+      </p:sp>
+      <p:cxnSp>
+        <p:nvCxnSpPr>
+          <p:cNvPr id="16" name="Straight Arrow Connector 15">
+            <a:extLst>
+              <a:ext uri="{FF2B5EF4-FFF2-40B4-BE49-F238E27FC236}">
+                <a16:creationId xmlns:a16="http://schemas.microsoft.com/office/drawing/2014/main" id="{73B9464B-01C0-F48A-BED8-1699298C357E}"/>
+              </a:ext>
+            </a:extLst>
+          </p:cNvPr>
+          <p:cNvCxnSpPr/>
+          <p:nvPr/>
+        </p:nvCxnSpPr>
+        <p:spPr>
+          <a:xfrm>
+            <a:off x="8534400" y="3812761"/>
+            <a:ext cx="0" cy="1633886"/>
+          </a:xfrm>
+          <a:prstGeom prst="straightConnector1">
+            <a:avLst/>
+          </a:prstGeom>
+          <a:ln>
+            <a:tailEnd type="triangle"/>
+          </a:ln>
         </p:spPr>
         <p:style>
           <a:lnRef idx="2">
             <a:schemeClr val="dk1"/>
           </a:lnRef>
-          <a:fillRef idx="1">
-            <a:schemeClr val="lt1"/>
+          <a:fillRef idx="0">
+            <a:schemeClr val="dk1"/>
           </a:fillRef>
-          <a:effectRef idx="0">
+          <a:effectRef idx="1">
             <a:schemeClr val="dk1"/>
           </a:effectRef>
           <a:fontRef idx="minor">
-            <a:schemeClr val="dk1"/>
+            <a:schemeClr val="tx1"/>
           </a:fontRef>
         </p:style>
-        <p:txBody>
-          <a:bodyPr rtlCol="0" anchor="ctr"/>
-          <a:lstStyle/>
-          <a:p>
-            <a:pPr algn="ctr"/>
-            <a:endParaRPr lang="en-US"/>
-          </a:p>
-        </p:txBody>
-      </p:sp>
-      <p:sp>
-        <p:nvSpPr>
-          <p:cNvPr id="10" name="Rectangle 9">
+      </p:cxnSp>
+      <p:cxnSp>
+        <p:nvCxnSpPr>
+          <p:cNvPr id="18" name="Straight Arrow Connector 17">
             <a:extLst>
               <a:ext uri="{FF2B5EF4-FFF2-40B4-BE49-F238E27FC236}">
-                <a16:creationId xmlns:a16="http://schemas.microsoft.com/office/drawing/2014/main" id="{216DDC81-DB23-4921-9086-0D210937DC06}"/>
+                <a16:creationId xmlns:a16="http://schemas.microsoft.com/office/drawing/2014/main" id="{FADB0100-581C-FF82-48FF-420535CAD334}"/>
               </a:ext>
             </a:extLst>
           </p:cNvPr>
-          <p:cNvSpPr/>
+          <p:cNvCxnSpPr>
+            <a:cxnSpLocks/>
+          </p:cNvCxnSpPr>
           <p:nvPr/>
-        </p:nvSpPr>
+        </p:nvCxnSpPr>
         <p:spPr>
-          <a:xfrm>
-            <a:off x="8077200" y="2514600"/>
-            <a:ext cx="838200" cy="342900"/>
+          <a:xfrm flipH="1">
+            <a:off x="6858000" y="5692561"/>
+            <a:ext cx="439334" cy="0"/>
           </a:xfrm>
-          <a:prstGeom prst="rect">
+          <a:prstGeom prst="straightConnector1">
             <a:avLst/>
           </a:prstGeom>
-          <a:noFill/>
+          <a:ln>
+            <a:tailEnd type="triangle"/>
+          </a:ln>
         </p:spPr>
         <p:style>
           <a:lnRef idx="2">
             <a:schemeClr val="dk1"/>
           </a:lnRef>
-          <a:fillRef idx="1">
-            <a:schemeClr val="lt1"/>
+          <a:fillRef idx="0">
+            <a:schemeClr val="dk1"/>
           </a:fillRef>
-          <a:effectRef idx="0">
+          <a:effectRef idx="1">
             <a:schemeClr val="dk1"/>
           </a:effectRef>
           <a:fontRef idx="minor">
-            <a:schemeClr val="dk1"/>
+            <a:schemeClr val="tx1"/>
           </a:fontRef>
         </p:style>
-        <p:txBody>
-          <a:bodyPr rtlCol="0" anchor="ctr"/>
-          <a:lstStyle/>
-          <a:p>
-            <a:pPr algn="ctr"/>
-            <a:endParaRPr lang="en-US"/>
-          </a:p>
-        </p:txBody>
-      </p:sp>
+      </p:cxnSp>
     </p:spTree>
     <p:custDataLst>
       <p:tags r:id="rId1"/>
